--- a/course_resources/slides/Used/002_vars_and_control.pptx
+++ b/course_resources/slides/Used/002_vars_and_control.pptx
@@ -20,16 +20,17 @@
     <p:sldId id="264" r:id="rId14"/>
     <p:sldId id="265" r:id="rId15"/>
     <p:sldId id="266" r:id="rId16"/>
-    <p:sldId id="268" r:id="rId17"/>
-    <p:sldId id="269" r:id="rId18"/>
-    <p:sldId id="270" r:id="rId19"/>
-    <p:sldId id="271" r:id="rId20"/>
-    <p:sldId id="273" r:id="rId21"/>
-    <p:sldId id="272" r:id="rId22"/>
-    <p:sldId id="274" r:id="rId23"/>
-    <p:sldId id="275" r:id="rId24"/>
-    <p:sldId id="279" r:id="rId25"/>
-    <p:sldId id="280" r:id="rId26"/>
+    <p:sldId id="283" r:id="rId17"/>
+    <p:sldId id="268" r:id="rId18"/>
+    <p:sldId id="269" r:id="rId19"/>
+    <p:sldId id="270" r:id="rId20"/>
+    <p:sldId id="271" r:id="rId21"/>
+    <p:sldId id="273" r:id="rId22"/>
+    <p:sldId id="272" r:id="rId23"/>
+    <p:sldId id="274" r:id="rId24"/>
+    <p:sldId id="275" r:id="rId25"/>
+    <p:sldId id="279" r:id="rId26"/>
+    <p:sldId id="280" r:id="rId27"/>
   </p:sldIdLst>
   <p:sldSz cx="12192000" cy="6858000"/>
   <p:notesSz cx="6858000" cy="9144000"/>
@@ -3758,6 +3759,36 @@
           </a:p>
         </p:txBody>
       </p:sp>
+      <p:pic>
+        <p:nvPicPr>
+          <p:cNvPr id="4" name="Picture 3">
+            <a:extLst>
+              <a:ext uri="{FF2B5EF4-FFF2-40B4-BE49-F238E27FC236}">
+                <a16:creationId xmlns:a16="http://schemas.microsoft.com/office/drawing/2014/main" id="{8EEE8B4A-EB1C-18B1-4B93-92AC236D4B35}"/>
+              </a:ext>
+            </a:extLst>
+          </p:cNvPr>
+          <p:cNvPicPr>
+            <a:picLocks noChangeAspect="1"/>
+          </p:cNvPicPr>
+          <p:nvPr/>
+        </p:nvPicPr>
+        <p:blipFill>
+          <a:blip r:embed="rId2"/>
+          <a:stretch>
+            <a:fillRect/>
+          </a:stretch>
+        </p:blipFill>
+        <p:spPr>
+          <a:xfrm>
+            <a:off x="7205016" y="0"/>
+            <a:ext cx="4927600" cy="3886200"/>
+          </a:xfrm>
+          <a:prstGeom prst="rect">
+            <a:avLst/>
+          </a:prstGeom>
+        </p:spPr>
+      </p:pic>
     </p:spTree>
     <p:extLst>
       <p:ext uri="{BB962C8B-B14F-4D97-AF65-F5344CB8AC3E}">
@@ -4368,12 +4399,8 @@
               <a:t>get_location</a:t>
             </a:r>
             <a:r>
-              <a:rPr lang="en-US"/>
-              <a:t>() </a:t>
-            </a:r>
-            <a:r>
-              <a:rPr lang="en-US" dirty="0"/>
-              <a:t>could return (</a:t>
+              <a:rPr lang="en-US" dirty="0"/>
+              <a:t>() could return (</a:t>
             </a:r>
             <a:r>
               <a:rPr lang="en-US" dirty="0" err="1"/>
@@ -5177,6 +5204,30 @@
 <file path=ppt/slides/slide16.xml><?xml version="1.0" encoding="utf-8"?>
 <p:sld xmlns:a="http://schemas.openxmlformats.org/drawingml/2006/main" xmlns:r="http://schemas.openxmlformats.org/officeDocument/2006/relationships" xmlns:p="http://schemas.openxmlformats.org/presentationml/2006/main">
   <p:cSld>
+    <p:bg>
+      <p:bgPr>
+        <a:gradFill rotWithShape="1">
+          <a:gsLst>
+            <a:gs pos="0">
+              <a:schemeClr val="bg2">
+                <a:tint val="94000"/>
+                <a:satMod val="80000"/>
+                <a:lumMod val="106000"/>
+              </a:schemeClr>
+            </a:gs>
+            <a:gs pos="100000">
+              <a:schemeClr val="bg2">
+                <a:shade val="80000"/>
+              </a:schemeClr>
+            </a:gs>
+          </a:gsLst>
+          <a:path path="circle">
+            <a:fillToRect l="43000" r="43000" b="100000"/>
+          </a:path>
+        </a:gradFill>
+        <a:effectLst/>
+      </p:bgPr>
+    </p:bg>
     <p:spTree>
       <p:nvGrpSpPr>
         <p:cNvPr id="1" name=""/>
@@ -5193,155 +5244,287 @@
       </p:grpSpPr>
       <p:sp>
         <p:nvSpPr>
-          <p:cNvPr id="2" name="Title 1">
+          <p:cNvPr id="9" name="Rectangle 8">
             <a:extLst>
               <a:ext uri="{FF2B5EF4-FFF2-40B4-BE49-F238E27FC236}">
-                <a16:creationId xmlns:a16="http://schemas.microsoft.com/office/drawing/2014/main" id="{F948CA67-63D3-67B9-44D4-2A72F58BAA2C}"/>
+                <a16:creationId xmlns:a16="http://schemas.microsoft.com/office/drawing/2014/main" id="{CDDE5CDF-1512-4CDA-B956-23D223F8DE44}"/>
+              </a:ext>
+              <a:ext uri="{C183D7F6-B498-43B3-948B-1728B52AA6E4}">
+                <adec:decorative xmlns:adec="http://schemas.microsoft.com/office/drawing/2017/decorative" val="1"/>
               </a:ext>
             </a:extLst>
           </p:cNvPr>
           <p:cNvSpPr>
-            <a:spLocks noGrp="1"/>
-          </p:cNvSpPr>
-          <p:nvPr>
-            <p:ph type="title"/>
-          </p:nvPr>
-        </p:nvSpPr>
-        <p:spPr/>
+            <a:spLocks noGrp="1" noRot="1" noChangeAspect="1" noMove="1" noResize="1" noEditPoints="1" noAdjustHandles="1" noChangeArrowheads="1" noChangeShapeType="1" noTextEdit="1"/>
+          </p:cNvSpPr>
+          <p:nvPr>
+            <p:extLst>
+              <p:ext uri="{386F3935-93C4-4BCD-93E2-E3B085C9AB24}">
+                <p16:designElem xmlns:p16="http://schemas.microsoft.com/office/powerpoint/2015/main" val="1"/>
+              </p:ext>
+            </p:extLst>
+          </p:nvPr>
+        </p:nvSpPr>
+        <p:spPr>
+          <a:xfrm>
+            <a:off x="0" y="2019476"/>
+            <a:ext cx="12192000" cy="4105941"/>
+          </a:xfrm>
+          <a:prstGeom prst="rect">
+            <a:avLst/>
+          </a:prstGeom>
+          <a:gradFill flip="none" rotWithShape="1">
+            <a:gsLst>
+              <a:gs pos="0">
+                <a:schemeClr val="bg2">
+                  <a:alpha val="0"/>
+                </a:schemeClr>
+              </a:gs>
+              <a:gs pos="100000">
+                <a:schemeClr val="bg2"/>
+              </a:gs>
+            </a:gsLst>
+            <a:lin ang="5400000" scaled="0"/>
+            <a:tileRect/>
+          </a:gradFill>
+          <a:ln>
+            <a:noFill/>
+          </a:ln>
+        </p:spPr>
+        <p:style>
+          <a:lnRef idx="2">
+            <a:schemeClr val="accent1">
+              <a:shade val="50000"/>
+            </a:schemeClr>
+          </a:lnRef>
+          <a:fillRef idx="1">
+            <a:schemeClr val="accent1"/>
+          </a:fillRef>
+          <a:effectRef idx="0">
+            <a:schemeClr val="accent1"/>
+          </a:effectRef>
+          <a:fontRef idx="minor">
+            <a:schemeClr val="lt1"/>
+          </a:fontRef>
+        </p:style>
         <p:txBody>
           <a:bodyPr/>
           <a:lstStyle/>
           <a:p>
-            <a:r>
-              <a:rPr lang="en-US" dirty="0"/>
-              <a:t>Boolean Logic</a:t>
-            </a:r>
-          </a:p>
-        </p:txBody>
-      </p:sp>
-      <p:sp>
-        <p:nvSpPr>
-          <p:cNvPr id="3" name="Content Placeholder 2">
+            <a:endParaRPr lang="en-US"/>
+          </a:p>
+        </p:txBody>
+      </p:sp>
+      <p:pic>
+        <p:nvPicPr>
+          <p:cNvPr id="11" name="Picture 10">
             <a:extLst>
               <a:ext uri="{FF2B5EF4-FFF2-40B4-BE49-F238E27FC236}">
-                <a16:creationId xmlns:a16="http://schemas.microsoft.com/office/drawing/2014/main" id="{F73124AA-B967-3599-AC82-276A9446494A}"/>
+                <a16:creationId xmlns:a16="http://schemas.microsoft.com/office/drawing/2014/main" id="{B029D7D8-5A6B-4C76-94C8-15798C6C5ADB}"/>
+              </a:ext>
+              <a:ext uri="{C183D7F6-B498-43B3-948B-1728B52AA6E4}">
+                <adec:decorative xmlns:adec="http://schemas.microsoft.com/office/drawing/2017/decorative" val="1"/>
               </a:ext>
             </a:extLst>
           </p:cNvPr>
-          <p:cNvSpPr>
-            <a:spLocks noGrp="1"/>
-          </p:cNvSpPr>
+          <p:cNvPicPr>
+            <a:picLocks noGrp="1" noRot="1" noChangeAspect="1" noMove="1" noResize="1" noEditPoints="1" noAdjustHandles="1" noChangeArrowheads="1" noChangeShapeType="1" noCrop="1"/>
+          </p:cNvPicPr>
+          <p:nvPr>
+            <p:extLst>
+              <p:ext uri="{386F3935-93C4-4BCD-93E2-E3B085C9AB24}">
+                <p16:designElem xmlns:p16="http://schemas.microsoft.com/office/powerpoint/2015/main" val="1"/>
+              </p:ext>
+            </p:extLst>
+          </p:nvPr>
+        </p:nvPicPr>
+        <p:blipFill rotWithShape="1">
+          <a:blip r:embed="rId2">
+            <a:extLst>
+              <a:ext uri="{28A0092B-C50C-407E-A947-70E740481C1C}">
+                <a14:useLocalDpi xmlns:a14="http://schemas.microsoft.com/office/drawing/2010/main" val="0"/>
+              </a:ext>
+            </a:extLst>
+          </a:blip>
+          <a:srcRect t="1538" b="-1538"/>
+          <a:stretch/>
+        </p:blipFill>
+        <p:spPr bwMode="black">
+          <a:xfrm>
+            <a:off x="0" y="6126480"/>
+            <a:ext cx="12192000" cy="742950"/>
+          </a:xfrm>
+          <a:prstGeom prst="rect">
+            <a:avLst/>
+          </a:prstGeom>
+        </p:spPr>
+      </p:pic>
+      <p:cxnSp>
+        <p:nvCxnSpPr>
+          <p:cNvPr id="13" name="Straight Connector 12">
+            <a:extLst>
+              <a:ext uri="{FF2B5EF4-FFF2-40B4-BE49-F238E27FC236}">
+                <a16:creationId xmlns:a16="http://schemas.microsoft.com/office/drawing/2014/main" id="{A5C9319C-E20D-4884-952F-60B6A58C3E34}"/>
+              </a:ext>
+              <a:ext uri="{C183D7F6-B498-43B3-948B-1728B52AA6E4}">
+                <adec:decorative xmlns:adec="http://schemas.microsoft.com/office/drawing/2017/decorative" val="1"/>
+              </a:ext>
+            </a:extLst>
+          </p:cNvPr>
+          <p:cNvCxnSpPr>
+            <a:cxnSpLocks noGrp="1" noRot="1" noChangeAspect="1" noMove="1" noResize="1" noEditPoints="1" noAdjustHandles="1" noChangeArrowheads="1" noChangeShapeType="1"/>
+          </p:cNvCxnSpPr>
+          <p:nvPr>
+            <p:extLst>
+              <p:ext uri="{386F3935-93C4-4BCD-93E2-E3B085C9AB24}">
+                <p16:designElem xmlns:p16="http://schemas.microsoft.com/office/powerpoint/2015/main" val="1"/>
+              </p:ext>
+            </p:extLst>
+          </p:nvPr>
+        </p:nvCxnSpPr>
+        <p:spPr>
+          <a:xfrm>
+            <a:off x="0" y="6128413"/>
+            <a:ext cx="12192000" cy="0"/>
+          </a:xfrm>
+          <a:prstGeom prst="line">
+            <a:avLst/>
+          </a:prstGeom>
+          <a:ln w="12700">
+            <a:solidFill>
+              <a:srgbClr val="000001">
+                <a:alpha val="20000"/>
+              </a:srgbClr>
+            </a:solidFill>
+          </a:ln>
+        </p:spPr>
+        <p:style>
+          <a:lnRef idx="1">
+            <a:schemeClr val="accent1"/>
+          </a:lnRef>
+          <a:fillRef idx="0">
+            <a:schemeClr val="accent1"/>
+          </a:fillRef>
+          <a:effectRef idx="0">
+            <a:schemeClr val="accent1"/>
+          </a:effectRef>
+          <a:fontRef idx="minor">
+            <a:schemeClr val="tx1"/>
+          </a:fontRef>
+        </p:style>
+      </p:cxnSp>
+      <p:sp useBgFill="1">
+        <p:nvSpPr>
+          <p:cNvPr id="15" name="Rectangle 14">
+            <a:extLst>
+              <a:ext uri="{FF2B5EF4-FFF2-40B4-BE49-F238E27FC236}">
+                <a16:creationId xmlns:a16="http://schemas.microsoft.com/office/drawing/2014/main" id="{62C9703D-C8F9-44AD-A7C0-C2F3871F8C1B}"/>
+              </a:ext>
+              <a:ext uri="{C183D7F6-B498-43B3-948B-1728B52AA6E4}">
+                <adec:decorative xmlns:adec="http://schemas.microsoft.com/office/drawing/2017/decorative" val="1"/>
+              </a:ext>
+            </a:extLst>
+          </p:cNvPr>
+          <p:cNvSpPr>
+            <a:spLocks noGrp="1" noRot="1" noChangeAspect="1" noMove="1" noResize="1" noEditPoints="1" noAdjustHandles="1" noChangeArrowheads="1" noChangeShapeType="1" noTextEdit="1"/>
+          </p:cNvSpPr>
+          <p:nvPr>
+            <p:extLst>
+              <p:ext uri="{386F3935-93C4-4BCD-93E2-E3B085C9AB24}">
+                <p16:designElem xmlns:p16="http://schemas.microsoft.com/office/powerpoint/2015/main" val="1"/>
+              </p:ext>
+            </p:extLst>
+          </p:nvPr>
+        </p:nvSpPr>
+        <p:spPr>
+          <a:xfrm>
+            <a:off x="0" y="0"/>
+            <a:ext cx="12192000" cy="6160168"/>
+          </a:xfrm>
+          <a:prstGeom prst="rect">
+            <a:avLst/>
+          </a:prstGeom>
+          <a:ln>
+            <a:noFill/>
+          </a:ln>
+        </p:spPr>
+        <p:style>
+          <a:lnRef idx="2">
+            <a:schemeClr val="accent1">
+              <a:shade val="50000"/>
+            </a:schemeClr>
+          </a:lnRef>
+          <a:fillRef idx="1">
+            <a:schemeClr val="accent1"/>
+          </a:fillRef>
+          <a:effectRef idx="0">
+            <a:schemeClr val="accent1"/>
+          </a:effectRef>
+          <a:fontRef idx="minor">
+            <a:schemeClr val="lt1"/>
+          </a:fontRef>
+        </p:style>
+        <p:txBody>
+          <a:bodyPr rtlCol="0" anchor="ctr"/>
+          <a:lstStyle/>
+          <a:p>
+            <a:pPr algn="ctr"/>
+            <a:endParaRPr lang="en-US"/>
+          </a:p>
+        </p:txBody>
+      </p:sp>
+      <p:pic>
+        <p:nvPicPr>
+          <p:cNvPr id="4" name="Picture 2" descr="Python if, if...else Statement (With Examples)">
+            <a:extLst>
+              <a:ext uri="{FF2B5EF4-FFF2-40B4-BE49-F238E27FC236}">
+                <a16:creationId xmlns:a16="http://schemas.microsoft.com/office/drawing/2014/main" id="{D6916C9C-D1EF-B69C-AEFF-3BFC6A79DA87}"/>
+              </a:ext>
+            </a:extLst>
+          </p:cNvPr>
+          <p:cNvPicPr>
+            <a:picLocks noGrp="1" noChangeAspect="1" noChangeArrowheads="1"/>
+          </p:cNvPicPr>
           <p:nvPr>
             <p:ph idx="1"/>
           </p:nvPr>
-        </p:nvSpPr>
-        <p:spPr>
-          <a:xfrm>
-            <a:off x="1451579" y="1853754"/>
-            <a:ext cx="10246778" cy="4199727"/>
-          </a:xfrm>
-        </p:spPr>
-        <p:txBody>
-          <a:bodyPr/>
-          <a:lstStyle/>
-          <a:p>
-            <a:r>
-              <a:rPr lang="en-US" dirty="0"/>
-              <a:t>Conditional execution depends on Boolean logic. </a:t>
-            </a:r>
-          </a:p>
-          <a:p>
-            <a:pPr lvl="1"/>
-            <a:r>
-              <a:rPr lang="en-US" dirty="0"/>
-              <a:t>Each condition must evaluate to True or False. </a:t>
-            </a:r>
-          </a:p>
-          <a:p>
-            <a:r>
-              <a:rPr lang="en-US" dirty="0"/>
-              <a:t>Most conditions are simple (</a:t>
-            </a:r>
-            <a:r>
-              <a:rPr lang="en-US" dirty="0" err="1"/>
-              <a:t>i</a:t>
-            </a:r>
-            <a:r>
-              <a:rPr lang="en-US" dirty="0"/>
-              <a:t> &lt; length), but not all are:</a:t>
-            </a:r>
-          </a:p>
-          <a:p>
-            <a:pPr lvl="1"/>
-            <a:r>
-              <a:rPr lang="en-US" dirty="0"/>
-              <a:t>Conditions can have multiple possible outcomes – multiple </a:t>
-            </a:r>
-            <a:r>
-              <a:rPr lang="en-US" dirty="0" err="1"/>
-              <a:t>elif</a:t>
-            </a:r>
-            <a:r>
-              <a:rPr lang="en-US" dirty="0"/>
-              <a:t>. </a:t>
-            </a:r>
-          </a:p>
-          <a:p>
-            <a:pPr lvl="1"/>
-            <a:r>
-              <a:rPr lang="en-US" dirty="0"/>
-              <a:t>Conditions can have complex logic – nested or compound conditions. </a:t>
-            </a:r>
-          </a:p>
-          <a:p>
-            <a:r>
-              <a:rPr lang="en-US" dirty="0"/>
-              <a:t>Think – heart attack risk:</a:t>
-            </a:r>
-          </a:p>
-          <a:p>
-            <a:pPr lvl="1"/>
-            <a:r>
-              <a:rPr lang="en-US" dirty="0"/>
-              <a:t>Depends on multiple factors – age, sex, weight, BMI, blood cholesterol, </a:t>
-            </a:r>
-            <a:r>
-              <a:rPr lang="en-US" dirty="0" err="1"/>
-              <a:t>etc</a:t>
-            </a:r>
-            <a:r>
-              <a:rPr lang="en-US" dirty="0"/>
-              <a:t>…</a:t>
-            </a:r>
-          </a:p>
-          <a:p>
-            <a:pPr lvl="1"/>
-            <a:r>
-              <a:rPr lang="en-US" dirty="0"/>
-              <a:t>Risk level determinations need complex logic – “this” or “this”, ”this” or “this and that”, </a:t>
-            </a:r>
-            <a:r>
-              <a:rPr lang="en-US" dirty="0" err="1"/>
-              <a:t>etc</a:t>
-            </a:r>
-            <a:r>
-              <a:rPr lang="en-US" dirty="0"/>
-              <a:t>….</a:t>
-            </a:r>
-          </a:p>
-          <a:p>
-            <a:pPr lvl="1"/>
-            <a:r>
-              <a:rPr lang="en-US" dirty="0"/>
-              <a:t>E.g. risk is high if you have diabetes and are BMI &gt; 30, or if blood pressure and weight are high…</a:t>
-            </a:r>
-          </a:p>
-        </p:txBody>
-      </p:sp>
+        </p:nvPicPr>
+        <p:blipFill>
+          <a:blip r:embed="rId3">
+            <a:extLst>
+              <a:ext uri="{28A0092B-C50C-407E-A947-70E740481C1C}">
+                <a14:useLocalDpi xmlns:a14="http://schemas.microsoft.com/office/drawing/2010/main" val="0"/>
+              </a:ext>
+            </a:extLst>
+          </a:blip>
+          <a:stretch>
+            <a:fillRect/>
+          </a:stretch>
+        </p:blipFill>
+        <p:spPr bwMode="auto">
+          <a:xfrm>
+            <a:off x="195648" y="85656"/>
+            <a:ext cx="11800703" cy="5988856"/>
+          </a:xfrm>
+          <a:prstGeom prst="rect">
+            <a:avLst/>
+          </a:prstGeom>
+          <a:noFill/>
+          <a:extLst>
+            <a:ext uri="{909E8E84-426E-40DD-AFC4-6F175D3DCCD1}">
+              <a14:hiddenFill xmlns:a14="http://schemas.microsoft.com/office/drawing/2010/main">
+                <a:solidFill>
+                  <a:srgbClr val="FFFFFF"/>
+                </a:solidFill>
+              </a14:hiddenFill>
+            </a:ext>
+          </a:extLst>
+        </p:spPr>
+      </p:pic>
     </p:spTree>
     <p:extLst>
       <p:ext uri="{BB962C8B-B14F-4D97-AF65-F5344CB8AC3E}">
-        <p14:creationId xmlns:p14="http://schemas.microsoft.com/office/powerpoint/2010/main" val="1946038342"/>
+        <p14:creationId xmlns:p14="http://schemas.microsoft.com/office/powerpoint/2010/main" val="721162616"/>
       </p:ext>
     </p:extLst>
   </p:cSld>
@@ -5370,6 +5553,183 @@
       </p:grpSpPr>
       <p:sp>
         <p:nvSpPr>
+          <p:cNvPr id="2" name="Title 1">
+            <a:extLst>
+              <a:ext uri="{FF2B5EF4-FFF2-40B4-BE49-F238E27FC236}">
+                <a16:creationId xmlns:a16="http://schemas.microsoft.com/office/drawing/2014/main" id="{F948CA67-63D3-67B9-44D4-2A72F58BAA2C}"/>
+              </a:ext>
+            </a:extLst>
+          </p:cNvPr>
+          <p:cNvSpPr>
+            <a:spLocks noGrp="1"/>
+          </p:cNvSpPr>
+          <p:nvPr>
+            <p:ph type="title"/>
+          </p:nvPr>
+        </p:nvSpPr>
+        <p:spPr/>
+        <p:txBody>
+          <a:bodyPr/>
+          <a:lstStyle/>
+          <a:p>
+            <a:r>
+              <a:rPr lang="en-US" dirty="0"/>
+              <a:t>Boolean Logic</a:t>
+            </a:r>
+          </a:p>
+        </p:txBody>
+      </p:sp>
+      <p:sp>
+        <p:nvSpPr>
+          <p:cNvPr id="3" name="Content Placeholder 2">
+            <a:extLst>
+              <a:ext uri="{FF2B5EF4-FFF2-40B4-BE49-F238E27FC236}">
+                <a16:creationId xmlns:a16="http://schemas.microsoft.com/office/drawing/2014/main" id="{F73124AA-B967-3599-AC82-276A9446494A}"/>
+              </a:ext>
+            </a:extLst>
+          </p:cNvPr>
+          <p:cNvSpPr>
+            <a:spLocks noGrp="1"/>
+          </p:cNvSpPr>
+          <p:nvPr>
+            <p:ph idx="1"/>
+          </p:nvPr>
+        </p:nvSpPr>
+        <p:spPr>
+          <a:xfrm>
+            <a:off x="1451579" y="1853754"/>
+            <a:ext cx="10246778" cy="4199727"/>
+          </a:xfrm>
+        </p:spPr>
+        <p:txBody>
+          <a:bodyPr/>
+          <a:lstStyle/>
+          <a:p>
+            <a:r>
+              <a:rPr lang="en-US" dirty="0"/>
+              <a:t>Conditional execution depends on Boolean logic. </a:t>
+            </a:r>
+          </a:p>
+          <a:p>
+            <a:pPr lvl="1"/>
+            <a:r>
+              <a:rPr lang="en-US" dirty="0"/>
+              <a:t>Each condition must evaluate to True or False. </a:t>
+            </a:r>
+          </a:p>
+          <a:p>
+            <a:r>
+              <a:rPr lang="en-US" dirty="0"/>
+              <a:t>Most conditions are simple (</a:t>
+            </a:r>
+            <a:r>
+              <a:rPr lang="en-US" dirty="0" err="1"/>
+              <a:t>i</a:t>
+            </a:r>
+            <a:r>
+              <a:rPr lang="en-US" dirty="0"/>
+              <a:t> &lt; length), but not all are:</a:t>
+            </a:r>
+          </a:p>
+          <a:p>
+            <a:pPr lvl="1"/>
+            <a:r>
+              <a:rPr lang="en-US" dirty="0"/>
+              <a:t>Conditions can have multiple possible outcomes – multiple </a:t>
+            </a:r>
+            <a:r>
+              <a:rPr lang="en-US" dirty="0" err="1"/>
+              <a:t>elif</a:t>
+            </a:r>
+            <a:r>
+              <a:rPr lang="en-US" dirty="0"/>
+              <a:t>. </a:t>
+            </a:r>
+          </a:p>
+          <a:p>
+            <a:pPr lvl="1"/>
+            <a:r>
+              <a:rPr lang="en-US" dirty="0"/>
+              <a:t>Conditions can have complex logic – nested or compound conditions. </a:t>
+            </a:r>
+          </a:p>
+          <a:p>
+            <a:r>
+              <a:rPr lang="en-US" dirty="0"/>
+              <a:t>Think – heart attack risk:</a:t>
+            </a:r>
+          </a:p>
+          <a:p>
+            <a:pPr lvl="1"/>
+            <a:r>
+              <a:rPr lang="en-US" dirty="0"/>
+              <a:t>Depends on multiple factors – age, sex, weight, BMI, blood cholesterol, </a:t>
+            </a:r>
+            <a:r>
+              <a:rPr lang="en-US" dirty="0" err="1"/>
+              <a:t>etc</a:t>
+            </a:r>
+            <a:r>
+              <a:rPr lang="en-US" dirty="0"/>
+              <a:t>…</a:t>
+            </a:r>
+          </a:p>
+          <a:p>
+            <a:pPr lvl="1"/>
+            <a:r>
+              <a:rPr lang="en-US" dirty="0"/>
+              <a:t>Risk level determinations need complex logic – “this” or “this”, ”this” or “this and that”, </a:t>
+            </a:r>
+            <a:r>
+              <a:rPr lang="en-US" dirty="0" err="1"/>
+              <a:t>etc</a:t>
+            </a:r>
+            <a:r>
+              <a:rPr lang="en-US" dirty="0"/>
+              <a:t>….</a:t>
+            </a:r>
+          </a:p>
+          <a:p>
+            <a:pPr lvl="1"/>
+            <a:r>
+              <a:rPr lang="en-US" dirty="0"/>
+              <a:t>E.g. risk is high if you have diabetes and are BMI &gt; 30, or if blood pressure and weight are high…</a:t>
+            </a:r>
+          </a:p>
+        </p:txBody>
+      </p:sp>
+    </p:spTree>
+    <p:extLst>
+      <p:ext uri="{BB962C8B-B14F-4D97-AF65-F5344CB8AC3E}">
+        <p14:creationId xmlns:p14="http://schemas.microsoft.com/office/powerpoint/2010/main" val="1946038342"/>
+      </p:ext>
+    </p:extLst>
+  </p:cSld>
+  <p:clrMapOvr>
+    <a:masterClrMapping/>
+  </p:clrMapOvr>
+</p:sld>
+</file>
+
+<file path=ppt/slides/slide18.xml><?xml version="1.0" encoding="utf-8"?>
+<p:sld xmlns:a="http://schemas.openxmlformats.org/drawingml/2006/main" xmlns:r="http://schemas.openxmlformats.org/officeDocument/2006/relationships" xmlns:p="http://schemas.openxmlformats.org/presentationml/2006/main">
+  <p:cSld>
+    <p:spTree>
+      <p:nvGrpSpPr>
+        <p:cNvPr id="1" name=""/>
+        <p:cNvGrpSpPr/>
+        <p:nvPr/>
+      </p:nvGrpSpPr>
+      <p:grpSpPr>
+        <a:xfrm>
+          <a:off x="0" y="0"/>
+          <a:ext cx="0" cy="0"/>
+          <a:chOff x="0" y="0"/>
+          <a:chExt cx="0" cy="0"/>
+        </a:xfrm>
+      </p:grpSpPr>
+      <p:sp>
+        <p:nvSpPr>
           <p:cNvPr id="3" name="Content Placeholder 2">
             <a:extLst>
               <a:ext uri="{FF2B5EF4-FFF2-40B4-BE49-F238E27FC236}">
@@ -5507,7 +5867,7 @@
 </p:sld>
 </file>
 
-<file path=ppt/slides/slide18.xml><?xml version="1.0" encoding="utf-8"?>
+<file path=ppt/slides/slide19.xml><?xml version="1.0" encoding="utf-8"?>
 <p:sld xmlns:a="http://schemas.openxmlformats.org/drawingml/2006/main" xmlns:r="http://schemas.openxmlformats.org/officeDocument/2006/relationships" xmlns:p="http://schemas.openxmlformats.org/presentationml/2006/main" show="0">
   <p:cSld>
     <p:spTree>
@@ -5634,7 +5994,93 @@
 </p:sld>
 </file>
 
-<file path=ppt/slides/slide19.xml><?xml version="1.0" encoding="utf-8"?>
+<file path=ppt/slides/slide2.xml><?xml version="1.0" encoding="utf-8"?>
+<p:sld xmlns:a="http://schemas.openxmlformats.org/drawingml/2006/main" xmlns:r="http://schemas.openxmlformats.org/officeDocument/2006/relationships" xmlns:p="http://schemas.openxmlformats.org/presentationml/2006/main">
+  <p:cSld>
+    <p:spTree>
+      <p:nvGrpSpPr>
+        <p:cNvPr id="1" name=""/>
+        <p:cNvGrpSpPr/>
+        <p:nvPr/>
+      </p:nvGrpSpPr>
+      <p:grpSpPr>
+        <a:xfrm>
+          <a:off x="0" y="0"/>
+          <a:ext cx="0" cy="0"/>
+          <a:chOff x="0" y="0"/>
+          <a:chExt cx="0" cy="0"/>
+        </a:xfrm>
+      </p:grpSpPr>
+      <p:sp>
+        <p:nvSpPr>
+          <p:cNvPr id="2" name="Title 1">
+            <a:extLst>
+              <a:ext uri="{FF2B5EF4-FFF2-40B4-BE49-F238E27FC236}">
+                <a16:creationId xmlns:a16="http://schemas.microsoft.com/office/drawing/2014/main" id="{2B1300C3-5A76-9536-DEB2-63CC20C84455}"/>
+              </a:ext>
+            </a:extLst>
+          </p:cNvPr>
+          <p:cNvSpPr>
+            <a:spLocks noGrp="1"/>
+          </p:cNvSpPr>
+          <p:nvPr>
+            <p:ph type="ctrTitle"/>
+          </p:nvPr>
+        </p:nvSpPr>
+        <p:spPr/>
+        <p:txBody>
+          <a:bodyPr/>
+          <a:lstStyle/>
+          <a:p>
+            <a:r>
+              <a:rPr lang="en-US" dirty="0"/>
+              <a:t>Programming</a:t>
+            </a:r>
+          </a:p>
+        </p:txBody>
+      </p:sp>
+      <p:sp>
+        <p:nvSpPr>
+          <p:cNvPr id="3" name="Subtitle 2">
+            <a:extLst>
+              <a:ext uri="{FF2B5EF4-FFF2-40B4-BE49-F238E27FC236}">
+                <a16:creationId xmlns:a16="http://schemas.microsoft.com/office/drawing/2014/main" id="{2708235C-D5BF-692F-51D9-016574329548}"/>
+              </a:ext>
+            </a:extLst>
+          </p:cNvPr>
+          <p:cNvSpPr>
+            <a:spLocks noGrp="1"/>
+          </p:cNvSpPr>
+          <p:nvPr>
+            <p:ph type="subTitle" idx="1"/>
+          </p:nvPr>
+        </p:nvSpPr>
+        <p:spPr/>
+        <p:txBody>
+          <a:bodyPr/>
+          <a:lstStyle/>
+          <a:p>
+            <a:r>
+              <a:rPr lang="en-US" dirty="0"/>
+              <a:t>The Beginning</a:t>
+            </a:r>
+          </a:p>
+        </p:txBody>
+      </p:sp>
+    </p:spTree>
+    <p:extLst>
+      <p:ext uri="{BB962C8B-B14F-4D97-AF65-F5344CB8AC3E}">
+        <p14:creationId xmlns:p14="http://schemas.microsoft.com/office/powerpoint/2010/main" val="579553355"/>
+      </p:ext>
+    </p:extLst>
+  </p:cSld>
+  <p:clrMapOvr>
+    <a:masterClrMapping/>
+  </p:clrMapOvr>
+</p:sld>
+</file>
+
+<file path=ppt/slides/slide20.xml><?xml version="1.0" encoding="utf-8"?>
 <p:sld xmlns:a="http://schemas.openxmlformats.org/drawingml/2006/main" xmlns:r="http://schemas.openxmlformats.org/officeDocument/2006/relationships" xmlns:p="http://schemas.openxmlformats.org/presentationml/2006/main">
   <p:cSld>
     <p:bg>
@@ -5839,219 +6285,6 @@
 </p:sld>
 </file>
 
-<file path=ppt/slides/slide2.xml><?xml version="1.0" encoding="utf-8"?>
-<p:sld xmlns:a="http://schemas.openxmlformats.org/drawingml/2006/main" xmlns:r="http://schemas.openxmlformats.org/officeDocument/2006/relationships" xmlns:p="http://schemas.openxmlformats.org/presentationml/2006/main">
-  <p:cSld>
-    <p:spTree>
-      <p:nvGrpSpPr>
-        <p:cNvPr id="1" name=""/>
-        <p:cNvGrpSpPr/>
-        <p:nvPr/>
-      </p:nvGrpSpPr>
-      <p:grpSpPr>
-        <a:xfrm>
-          <a:off x="0" y="0"/>
-          <a:ext cx="0" cy="0"/>
-          <a:chOff x="0" y="0"/>
-          <a:chExt cx="0" cy="0"/>
-        </a:xfrm>
-      </p:grpSpPr>
-      <p:sp>
-        <p:nvSpPr>
-          <p:cNvPr id="2" name="Title 1">
-            <a:extLst>
-              <a:ext uri="{FF2B5EF4-FFF2-40B4-BE49-F238E27FC236}">
-                <a16:creationId xmlns:a16="http://schemas.microsoft.com/office/drawing/2014/main" id="{2B1300C3-5A76-9536-DEB2-63CC20C84455}"/>
-              </a:ext>
-            </a:extLst>
-          </p:cNvPr>
-          <p:cNvSpPr>
-            <a:spLocks noGrp="1"/>
-          </p:cNvSpPr>
-          <p:nvPr>
-            <p:ph type="ctrTitle"/>
-          </p:nvPr>
-        </p:nvSpPr>
-        <p:spPr/>
-        <p:txBody>
-          <a:bodyPr/>
-          <a:lstStyle/>
-          <a:p>
-            <a:r>
-              <a:rPr lang="en-US" dirty="0"/>
-              <a:t>Programming</a:t>
-            </a:r>
-          </a:p>
-        </p:txBody>
-      </p:sp>
-      <p:sp>
-        <p:nvSpPr>
-          <p:cNvPr id="3" name="Subtitle 2">
-            <a:extLst>
-              <a:ext uri="{FF2B5EF4-FFF2-40B4-BE49-F238E27FC236}">
-                <a16:creationId xmlns:a16="http://schemas.microsoft.com/office/drawing/2014/main" id="{2708235C-D5BF-692F-51D9-016574329548}"/>
-              </a:ext>
-            </a:extLst>
-          </p:cNvPr>
-          <p:cNvSpPr>
-            <a:spLocks noGrp="1"/>
-          </p:cNvSpPr>
-          <p:nvPr>
-            <p:ph type="subTitle" idx="1"/>
-          </p:nvPr>
-        </p:nvSpPr>
-        <p:spPr/>
-        <p:txBody>
-          <a:bodyPr/>
-          <a:lstStyle/>
-          <a:p>
-            <a:r>
-              <a:rPr lang="en-US" dirty="0"/>
-              <a:t>The Beginning</a:t>
-            </a:r>
-          </a:p>
-        </p:txBody>
-      </p:sp>
-    </p:spTree>
-    <p:extLst>
-      <p:ext uri="{BB962C8B-B14F-4D97-AF65-F5344CB8AC3E}">
-        <p14:creationId xmlns:p14="http://schemas.microsoft.com/office/powerpoint/2010/main" val="579553355"/>
-      </p:ext>
-    </p:extLst>
-  </p:cSld>
-  <p:clrMapOvr>
-    <a:masterClrMapping/>
-  </p:clrMapOvr>
-</p:sld>
-</file>
-
-<file path=ppt/slides/slide20.xml><?xml version="1.0" encoding="utf-8"?>
-<p:sld xmlns:a="http://schemas.openxmlformats.org/drawingml/2006/main" xmlns:r="http://schemas.openxmlformats.org/officeDocument/2006/relationships" xmlns:p="http://schemas.openxmlformats.org/presentationml/2006/main">
-  <p:cSld>
-    <p:spTree>
-      <p:nvGrpSpPr>
-        <p:cNvPr id="1" name=""/>
-        <p:cNvGrpSpPr/>
-        <p:nvPr/>
-      </p:nvGrpSpPr>
-      <p:grpSpPr>
-        <a:xfrm>
-          <a:off x="0" y="0"/>
-          <a:ext cx="0" cy="0"/>
-          <a:chOff x="0" y="0"/>
-          <a:chExt cx="0" cy="0"/>
-        </a:xfrm>
-      </p:grpSpPr>
-      <p:sp>
-        <p:nvSpPr>
-          <p:cNvPr id="2" name="Title 1">
-            <a:extLst>
-              <a:ext uri="{FF2B5EF4-FFF2-40B4-BE49-F238E27FC236}">
-                <a16:creationId xmlns:a16="http://schemas.microsoft.com/office/drawing/2014/main" id="{63541ADF-D257-BD6B-425B-52B0EC762257}"/>
-              </a:ext>
-            </a:extLst>
-          </p:cNvPr>
-          <p:cNvSpPr>
-            <a:spLocks noGrp="1"/>
-          </p:cNvSpPr>
-          <p:nvPr>
-            <p:ph type="title"/>
-          </p:nvPr>
-        </p:nvSpPr>
-        <p:spPr/>
-        <p:txBody>
-          <a:bodyPr/>
-          <a:lstStyle/>
-          <a:p>
-            <a:r>
-              <a:rPr lang="en-US" dirty="0"/>
-              <a:t>Boolean Fun Time!!!!</a:t>
-            </a:r>
-          </a:p>
-        </p:txBody>
-      </p:sp>
-      <p:sp>
-        <p:nvSpPr>
-          <p:cNvPr id="3" name="Content Placeholder 2">
-            <a:extLst>
-              <a:ext uri="{FF2B5EF4-FFF2-40B4-BE49-F238E27FC236}">
-                <a16:creationId xmlns:a16="http://schemas.microsoft.com/office/drawing/2014/main" id="{2D313AFB-394C-2DD7-0E78-56938895938D}"/>
-              </a:ext>
-            </a:extLst>
-          </p:cNvPr>
-          <p:cNvSpPr>
-            <a:spLocks noGrp="1"/>
-          </p:cNvSpPr>
-          <p:nvPr>
-            <p:ph idx="1"/>
-          </p:nvPr>
-        </p:nvSpPr>
-        <p:spPr>
-          <a:xfrm>
-            <a:off x="1451579" y="1853753"/>
-            <a:ext cx="9603275" cy="4199727"/>
-          </a:xfrm>
-        </p:spPr>
-        <p:txBody>
-          <a:bodyPr/>
-          <a:lstStyle/>
-          <a:p>
-            <a:r>
-              <a:rPr lang="en-US" dirty="0"/>
-              <a:t>We’ll try some exercises to test our logical mettle. </a:t>
-            </a:r>
-          </a:p>
-          <a:p>
-            <a:r>
-              <a:rPr lang="en-US" dirty="0"/>
-              <a:t>We can also peek at running Python from the command line. </a:t>
-            </a:r>
-          </a:p>
-          <a:p>
-            <a:r>
-              <a:rPr lang="en-US" dirty="0"/>
-              <a:t>From VS Code, click Terminal -&gt; New Terminal. </a:t>
-            </a:r>
-          </a:p>
-          <a:p>
-            <a:r>
-              <a:rPr lang="en-US" dirty="0"/>
-              <a:t>Type “python” and hit enter. </a:t>
-            </a:r>
-          </a:p>
-          <a:p>
-            <a:r>
-              <a:rPr lang="en-US" dirty="0"/>
-              <a:t>This is a python live interpreter. Each line we type and enter is like a one-line notebook cell. </a:t>
-            </a:r>
-          </a:p>
-          <a:p>
-            <a:r>
-              <a:rPr lang="en-US" dirty="0"/>
-              <a:t>You can run one of the statements to check it. You can also use a notebook cell. </a:t>
-            </a:r>
-          </a:p>
-          <a:p>
-            <a:r>
-              <a:rPr lang="en-US" dirty="0"/>
-              <a:t>Try to think it through, then run a check in Python. </a:t>
-            </a:r>
-          </a:p>
-        </p:txBody>
-      </p:sp>
-    </p:spTree>
-    <p:extLst>
-      <p:ext uri="{BB962C8B-B14F-4D97-AF65-F5344CB8AC3E}">
-        <p14:creationId xmlns:p14="http://schemas.microsoft.com/office/powerpoint/2010/main" val="3328122456"/>
-      </p:ext>
-    </p:extLst>
-  </p:cSld>
-  <p:clrMapOvr>
-    <a:masterClrMapping/>
-  </p:clrMapOvr>
-</p:sld>
-</file>
-
 <file path=ppt/slides/slide21.xml><?xml version="1.0" encoding="utf-8"?>
 <p:sld xmlns:a="http://schemas.openxmlformats.org/drawingml/2006/main" xmlns:r="http://schemas.openxmlformats.org/officeDocument/2006/relationships" xmlns:p="http://schemas.openxmlformats.org/presentationml/2006/main">
   <p:cSld>
@@ -6074,7 +6307,7 @@
           <p:cNvPr id="2" name="Title 1">
             <a:extLst>
               <a:ext uri="{FF2B5EF4-FFF2-40B4-BE49-F238E27FC236}">
-                <a16:creationId xmlns:a16="http://schemas.microsoft.com/office/drawing/2014/main" id="{19C02590-2B61-7346-7178-FB3DB44CA29C}"/>
+                <a16:creationId xmlns:a16="http://schemas.microsoft.com/office/drawing/2014/main" id="{63541ADF-D257-BD6B-425B-52B0EC762257}"/>
               </a:ext>
             </a:extLst>
           </p:cNvPr>
@@ -6092,7 +6325,7 @@
           <a:p>
             <a:r>
               <a:rPr lang="en-US" dirty="0"/>
-              <a:t>Free Logic Puzzles!!!</a:t>
+              <a:t>Boolean Fun Time!!!!</a:t>
             </a:r>
           </a:p>
         </p:txBody>
@@ -6102,7 +6335,7 @@
           <p:cNvPr id="3" name="Content Placeholder 2">
             <a:extLst>
               <a:ext uri="{FF2B5EF4-FFF2-40B4-BE49-F238E27FC236}">
-                <a16:creationId xmlns:a16="http://schemas.microsoft.com/office/drawing/2014/main" id="{49BD9456-2833-3C61-9FCC-0AC9A204E2A6}"/>
+                <a16:creationId xmlns:a16="http://schemas.microsoft.com/office/drawing/2014/main" id="{2D313AFB-394C-2DD7-0E78-56938895938D}"/>
               </a:ext>
             </a:extLst>
           </p:cNvPr>
@@ -6115,333 +6348,53 @@
         </p:nvSpPr>
         <p:spPr>
           <a:xfrm>
-            <a:off x="208722" y="2015732"/>
-            <a:ext cx="11728173" cy="3450613"/>
-          </a:xfrm>
-        </p:spPr>
-        <p:txBody>
-          <a:bodyPr numCol="3">
-            <a:normAutofit fontScale="85000" lnSpcReduction="10000"/>
-          </a:bodyPr>
-          <a:lstStyle/>
-          <a:p>
-            <a:pPr algn="l">
-              <a:buFont typeface="+mj-lt"/>
-              <a:buAutoNum type="arabicPeriod"/>
-            </a:pPr>
-            <a:r>
-              <a:rPr lang="en-CA" b="0" i="0" dirty="0">
-                <a:solidFill>
-                  <a:srgbClr val="000000"/>
-                </a:solidFill>
-                <a:effectLst/>
-                <a:latin typeface="Lucida Grande" panose="020B0600040502020204" pitchFamily="34" charset="0"/>
-              </a:rPr>
-              <a:t>True and True</a:t>
-            </a:r>
-          </a:p>
-          <a:p>
-            <a:pPr algn="l">
-              <a:buFont typeface="+mj-lt"/>
-              <a:buAutoNum type="arabicPeriod"/>
-            </a:pPr>
-            <a:r>
-              <a:rPr lang="en-CA" b="0" i="0" dirty="0">
-                <a:solidFill>
-                  <a:srgbClr val="000000"/>
-                </a:solidFill>
-                <a:effectLst/>
-                <a:latin typeface="Lucida Grande" panose="020B0600040502020204" pitchFamily="34" charset="0"/>
-              </a:rPr>
-              <a:t>False and True</a:t>
-            </a:r>
-          </a:p>
-          <a:p>
-            <a:pPr algn="l">
-              <a:buFont typeface="+mj-lt"/>
-              <a:buAutoNum type="arabicPeriod"/>
-            </a:pPr>
-            <a:r>
-              <a:rPr lang="en-CA" b="0" i="0" dirty="0">
-                <a:solidFill>
-                  <a:srgbClr val="000000"/>
-                </a:solidFill>
-                <a:effectLst/>
-                <a:latin typeface="Lucida Grande" panose="020B0600040502020204" pitchFamily="34" charset="0"/>
-              </a:rPr>
-              <a:t>1 == 1 and 2 == 1</a:t>
-            </a:r>
-          </a:p>
-          <a:p>
-            <a:pPr algn="l">
-              <a:buFont typeface="+mj-lt"/>
-              <a:buAutoNum type="arabicPeriod"/>
-            </a:pPr>
-            <a:r>
-              <a:rPr lang="en-CA" b="0" i="0" dirty="0">
-                <a:solidFill>
-                  <a:srgbClr val="000000"/>
-                </a:solidFill>
-                <a:effectLst/>
-                <a:latin typeface="Lucida Grande" panose="020B0600040502020204" pitchFamily="34" charset="0"/>
-              </a:rPr>
-              <a:t>"test" == "test"</a:t>
-            </a:r>
-          </a:p>
-          <a:p>
-            <a:pPr algn="l">
-              <a:buFont typeface="+mj-lt"/>
-              <a:buAutoNum type="arabicPeriod"/>
-            </a:pPr>
-            <a:r>
-              <a:rPr lang="en-CA" b="0" i="0" dirty="0">
-                <a:solidFill>
-                  <a:srgbClr val="000000"/>
-                </a:solidFill>
-                <a:effectLst/>
-                <a:latin typeface="Lucida Grande" panose="020B0600040502020204" pitchFamily="34" charset="0"/>
-              </a:rPr>
-              <a:t>1 == 1 or 2 != 1</a:t>
-            </a:r>
-          </a:p>
-          <a:p>
-            <a:pPr algn="l">
-              <a:buFont typeface="+mj-lt"/>
-              <a:buAutoNum type="arabicPeriod"/>
-            </a:pPr>
-            <a:r>
-              <a:rPr lang="en-CA" b="0" i="0" dirty="0">
-                <a:solidFill>
-                  <a:srgbClr val="000000"/>
-                </a:solidFill>
-                <a:effectLst/>
-                <a:latin typeface="Lucida Grande" panose="020B0600040502020204" pitchFamily="34" charset="0"/>
-              </a:rPr>
-              <a:t>True and 1 == 1</a:t>
-            </a:r>
-          </a:p>
-          <a:p>
-            <a:pPr algn="l">
-              <a:buFont typeface="+mj-lt"/>
-              <a:buAutoNum type="arabicPeriod"/>
-            </a:pPr>
-            <a:r>
-              <a:rPr lang="en-CA" b="0" i="0" dirty="0">
-                <a:solidFill>
-                  <a:srgbClr val="000000"/>
-                </a:solidFill>
-                <a:effectLst/>
-                <a:latin typeface="Lucida Grande" panose="020B0600040502020204" pitchFamily="34" charset="0"/>
-              </a:rPr>
-              <a:t>False and 0 != 0</a:t>
-            </a:r>
-          </a:p>
-          <a:p>
-            <a:pPr algn="l">
-              <a:buFont typeface="+mj-lt"/>
-              <a:buAutoNum type="arabicPeriod"/>
-            </a:pPr>
-            <a:r>
-              <a:rPr lang="en-CA" b="0" i="0" dirty="0">
-                <a:solidFill>
-                  <a:srgbClr val="000000"/>
-                </a:solidFill>
-                <a:effectLst/>
-                <a:latin typeface="Lucida Grande" panose="020B0600040502020204" pitchFamily="34" charset="0"/>
-              </a:rPr>
-              <a:t>True or 1 == 1</a:t>
-            </a:r>
-          </a:p>
-          <a:p>
-            <a:pPr algn="l">
-              <a:buFont typeface="+mj-lt"/>
-              <a:buAutoNum type="arabicPeriod"/>
-            </a:pPr>
-            <a:r>
-              <a:rPr lang="en-CA" b="0" i="0" dirty="0">
-                <a:solidFill>
-                  <a:srgbClr val="000000"/>
-                </a:solidFill>
-                <a:effectLst/>
-                <a:latin typeface="Lucida Grande" panose="020B0600040502020204" pitchFamily="34" charset="0"/>
-              </a:rPr>
-              <a:t>"test" == "testing"</a:t>
-            </a:r>
-          </a:p>
-          <a:p>
-            <a:pPr algn="l">
-              <a:buFont typeface="+mj-lt"/>
-              <a:buAutoNum type="arabicPeriod"/>
-            </a:pPr>
-            <a:r>
-              <a:rPr lang="en-CA" b="0" i="0" dirty="0">
-                <a:solidFill>
-                  <a:srgbClr val="000000"/>
-                </a:solidFill>
-                <a:effectLst/>
-                <a:latin typeface="Lucida Grande" panose="020B0600040502020204" pitchFamily="34" charset="0"/>
-              </a:rPr>
-              <a:t>1 != 0 and 2 == 1</a:t>
-            </a:r>
-          </a:p>
-          <a:p>
-            <a:pPr algn="l">
-              <a:buFont typeface="+mj-lt"/>
-              <a:buAutoNum type="arabicPeriod"/>
-            </a:pPr>
-            <a:r>
-              <a:rPr lang="en-CA" b="0" i="0" dirty="0">
-                <a:solidFill>
-                  <a:srgbClr val="000000"/>
-                </a:solidFill>
-                <a:effectLst/>
-                <a:latin typeface="Lucida Grande" panose="020B0600040502020204" pitchFamily="34" charset="0"/>
-              </a:rPr>
-              <a:t>"test" != "testing"</a:t>
-            </a:r>
-          </a:p>
-          <a:p>
-            <a:pPr algn="l">
-              <a:buFont typeface="+mj-lt"/>
-              <a:buAutoNum type="arabicPeriod"/>
-            </a:pPr>
-            <a:r>
-              <a:rPr lang="en-CA" b="0" i="0" dirty="0">
-                <a:solidFill>
-                  <a:srgbClr val="000000"/>
-                </a:solidFill>
-                <a:effectLst/>
-                <a:latin typeface="Lucida Grande" panose="020B0600040502020204" pitchFamily="34" charset="0"/>
-              </a:rPr>
-              <a:t>"test" == 1</a:t>
-            </a:r>
-          </a:p>
-          <a:p>
-            <a:pPr algn="l">
-              <a:buFont typeface="+mj-lt"/>
-              <a:buAutoNum type="arabicPeriod"/>
-            </a:pPr>
-            <a:r>
-              <a:rPr lang="en-CA" b="0" i="0" dirty="0">
-                <a:solidFill>
-                  <a:srgbClr val="000000"/>
-                </a:solidFill>
-                <a:effectLst/>
-                <a:latin typeface="Lucida Grande" panose="020B0600040502020204" pitchFamily="34" charset="0"/>
-              </a:rPr>
-              <a:t>not (True and False)</a:t>
-            </a:r>
-          </a:p>
-          <a:p>
-            <a:pPr algn="l">
-              <a:buFont typeface="+mj-lt"/>
-              <a:buAutoNum type="arabicPeriod"/>
-            </a:pPr>
-            <a:r>
-              <a:rPr lang="en-CA" b="0" i="0" dirty="0">
-                <a:solidFill>
-                  <a:srgbClr val="000000"/>
-                </a:solidFill>
-                <a:effectLst/>
-                <a:latin typeface="Lucida Grande" panose="020B0600040502020204" pitchFamily="34" charset="0"/>
-              </a:rPr>
-              <a:t>not (1 == 1 and 0 != 1)</a:t>
-            </a:r>
-          </a:p>
-          <a:p>
-            <a:pPr algn="l">
-              <a:buFont typeface="+mj-lt"/>
-              <a:buAutoNum type="arabicPeriod"/>
-            </a:pPr>
-            <a:r>
-              <a:rPr lang="en-CA" b="0" i="0" dirty="0">
-                <a:solidFill>
-                  <a:srgbClr val="000000"/>
-                </a:solidFill>
-                <a:effectLst/>
-                <a:latin typeface="Lucida Grande" panose="020B0600040502020204" pitchFamily="34" charset="0"/>
-              </a:rPr>
-              <a:t>not (10 == 1 or 1000 == 1000)</a:t>
-            </a:r>
-          </a:p>
-          <a:p>
-            <a:pPr algn="l">
-              <a:buFont typeface="+mj-lt"/>
-              <a:buAutoNum type="arabicPeriod"/>
-            </a:pPr>
-            <a:r>
-              <a:rPr lang="en-CA" b="0" i="0" dirty="0">
-                <a:solidFill>
-                  <a:srgbClr val="000000"/>
-                </a:solidFill>
-                <a:effectLst/>
-                <a:latin typeface="Lucida Grande" panose="020B0600040502020204" pitchFamily="34" charset="0"/>
-              </a:rPr>
-              <a:t>not (1 != 10 or 3 == 4)</a:t>
-            </a:r>
-          </a:p>
-          <a:p>
-            <a:pPr algn="l">
-              <a:buFont typeface="+mj-lt"/>
-              <a:buAutoNum type="arabicPeriod"/>
-            </a:pPr>
-            <a:r>
-              <a:rPr lang="en-CA" b="0" i="0" dirty="0">
-                <a:solidFill>
-                  <a:srgbClr val="000000"/>
-                </a:solidFill>
-                <a:effectLst/>
-                <a:latin typeface="Lucida Grande" panose="020B0600040502020204" pitchFamily="34" charset="0"/>
-              </a:rPr>
-              <a:t>not ("testing" == "testing" and "Zed" == "Cool Guy")</a:t>
-            </a:r>
-          </a:p>
-          <a:p>
-            <a:pPr algn="l">
-              <a:buFont typeface="+mj-lt"/>
-              <a:buAutoNum type="arabicPeriod"/>
-            </a:pPr>
-            <a:r>
-              <a:rPr lang="en-CA" b="0" i="0" dirty="0">
-                <a:solidFill>
-                  <a:srgbClr val="000000"/>
-                </a:solidFill>
-                <a:effectLst/>
-                <a:latin typeface="Lucida Grande" panose="020B0600040502020204" pitchFamily="34" charset="0"/>
-              </a:rPr>
-              <a:t>1 == 1 and not ("testing" == 1 or 1 == 0)</a:t>
-            </a:r>
-          </a:p>
-          <a:p>
-            <a:pPr algn="l">
-              <a:buFont typeface="+mj-lt"/>
-              <a:buAutoNum type="arabicPeriod"/>
-            </a:pPr>
-            <a:r>
-              <a:rPr lang="en-CA" b="0" i="0" dirty="0">
-                <a:solidFill>
-                  <a:srgbClr val="000000"/>
-                </a:solidFill>
-                <a:effectLst/>
-                <a:latin typeface="Lucida Grande" panose="020B0600040502020204" pitchFamily="34" charset="0"/>
-              </a:rPr>
-              <a:t>"chunky" == "bacon" and not (3 == 4 or 3 == 3)</a:t>
-            </a:r>
-          </a:p>
-          <a:p>
-            <a:pPr algn="l">
-              <a:buFont typeface="+mj-lt"/>
-              <a:buAutoNum type="arabicPeriod"/>
-            </a:pPr>
-            <a:r>
-              <a:rPr lang="en-CA" b="0" i="0" dirty="0">
-                <a:solidFill>
-                  <a:srgbClr val="000000"/>
-                </a:solidFill>
-                <a:effectLst/>
-                <a:latin typeface="Lucida Grande" panose="020B0600040502020204" pitchFamily="34" charset="0"/>
-              </a:rPr>
-              <a:t>3 == 3 and not ("testing" == "testing" or "Python" == "Fun")</a:t>
+            <a:off x="1451579" y="1853753"/>
+            <a:ext cx="9603275" cy="4199727"/>
+          </a:xfrm>
+        </p:spPr>
+        <p:txBody>
+          <a:bodyPr/>
+          <a:lstStyle/>
+          <a:p>
+            <a:r>
+              <a:rPr lang="en-US" dirty="0"/>
+              <a:t>We’ll try some exercises to test our logical mettle. </a:t>
+            </a:r>
+          </a:p>
+          <a:p>
+            <a:r>
+              <a:rPr lang="en-US" dirty="0"/>
+              <a:t>We can also peek at running Python from the command line. </a:t>
+            </a:r>
+          </a:p>
+          <a:p>
+            <a:r>
+              <a:rPr lang="en-US" dirty="0"/>
+              <a:t>From VS Code, click Terminal -&gt; New Terminal. </a:t>
+            </a:r>
+          </a:p>
+          <a:p>
+            <a:r>
+              <a:rPr lang="en-US" dirty="0"/>
+              <a:t>Type “python” and hit enter. </a:t>
+            </a:r>
+          </a:p>
+          <a:p>
+            <a:r>
+              <a:rPr lang="en-US" dirty="0"/>
+              <a:t>This is a python live interpreter. Each line we type and enter is like a one-line notebook cell. </a:t>
+            </a:r>
+          </a:p>
+          <a:p>
+            <a:r>
+              <a:rPr lang="en-US" dirty="0"/>
+              <a:t>You can run one of the statements to check it. You can also use a notebook cell. </a:t>
+            </a:r>
+          </a:p>
+          <a:p>
+            <a:r>
+              <a:rPr lang="en-US" dirty="0"/>
+              <a:t>Try to think it through, then run a check in Python. </a:t>
             </a:r>
           </a:p>
         </p:txBody>
@@ -6449,7 +6402,7 @@
     </p:spTree>
     <p:extLst>
       <p:ext uri="{BB962C8B-B14F-4D97-AF65-F5344CB8AC3E}">
-        <p14:creationId xmlns:p14="http://schemas.microsoft.com/office/powerpoint/2010/main" val="3191356816"/>
+        <p14:creationId xmlns:p14="http://schemas.microsoft.com/office/powerpoint/2010/main" val="3328122456"/>
       </p:ext>
     </p:extLst>
   </p:cSld>
@@ -6481,7 +6434,7 @@
           <p:cNvPr id="2" name="Title 1">
             <a:extLst>
               <a:ext uri="{FF2B5EF4-FFF2-40B4-BE49-F238E27FC236}">
-                <a16:creationId xmlns:a16="http://schemas.microsoft.com/office/drawing/2014/main" id="{E2773E3A-A9F8-FF38-EF1E-6FA5A110D38F}"/>
+                <a16:creationId xmlns:a16="http://schemas.microsoft.com/office/drawing/2014/main" id="{19C02590-2B61-7346-7178-FB3DB44CA29C}"/>
               </a:ext>
             </a:extLst>
           </p:cNvPr>
@@ -6499,7 +6452,7 @@
           <a:p>
             <a:r>
               <a:rPr lang="en-US" dirty="0"/>
-              <a:t>Testing</a:t>
+              <a:t>Free Logic Puzzles!!!</a:t>
             </a:r>
           </a:p>
         </p:txBody>
@@ -6509,7 +6462,7 @@
           <p:cNvPr id="3" name="Content Placeholder 2">
             <a:extLst>
               <a:ext uri="{FF2B5EF4-FFF2-40B4-BE49-F238E27FC236}">
-                <a16:creationId xmlns:a16="http://schemas.microsoft.com/office/drawing/2014/main" id="{53B7EEA3-CD58-68F8-506E-A8D0E438B862}"/>
+                <a16:creationId xmlns:a16="http://schemas.microsoft.com/office/drawing/2014/main" id="{49BD9456-2833-3C61-9FCC-0AC9A204E2A6}"/>
               </a:ext>
             </a:extLst>
           </p:cNvPr>
@@ -6522,71 +6475,333 @@
         </p:nvSpPr>
         <p:spPr>
           <a:xfrm>
-            <a:off x="1451579" y="1853754"/>
-            <a:ext cx="9603275" cy="4199727"/>
-          </a:xfrm>
-        </p:spPr>
-        <p:txBody>
-          <a:bodyPr/>
-          <a:lstStyle/>
-          <a:p>
-            <a:r>
-              <a:rPr lang="en-US" dirty="0"/>
-              <a:t>Conditionals are one of the first things that are likely to need substantial testing. </a:t>
-            </a:r>
-          </a:p>
-          <a:p>
-            <a:r>
-              <a:rPr lang="en-US" dirty="0"/>
-              <a:t>We want to think about how we’d test as we create more complex things. </a:t>
-            </a:r>
-          </a:p>
-          <a:p>
-            <a:pPr lvl="1"/>
-            <a:r>
-              <a:rPr lang="en-US" dirty="0"/>
-              <a:t>Consider how we verify if it works or not as we think about how to do it. </a:t>
-            </a:r>
-          </a:p>
-          <a:p>
-            <a:pPr lvl="1"/>
-            <a:r>
-              <a:rPr lang="en-US" dirty="0"/>
-              <a:t>Likely along the decision boundaries or edge cases, especially for complex logic. </a:t>
-            </a:r>
-          </a:p>
-          <a:p>
-            <a:r>
-              <a:rPr lang="en-US" dirty="0"/>
-              <a:t>For conditionals, we can consider:</a:t>
-            </a:r>
-          </a:p>
-          <a:p>
-            <a:pPr lvl="1"/>
-            <a:r>
-              <a:rPr lang="en-US" dirty="0"/>
-              <a:t>What is each ”normal” outcome?</a:t>
-            </a:r>
-          </a:p>
-          <a:p>
-            <a:pPr lvl="1"/>
-            <a:r>
-              <a:rPr lang="en-US" dirty="0"/>
-              <a:t>What is on the “edges” of each condition? Are there “holes”, especially with complex logic? </a:t>
-            </a:r>
-          </a:p>
-          <a:p>
-            <a:pPr lvl="1"/>
-            <a:r>
-              <a:rPr lang="en-US" dirty="0"/>
-              <a:t>What are values at the limits in any direction?</a:t>
-            </a:r>
-          </a:p>
-          <a:p>
-            <a:pPr lvl="1"/>
-            <a:r>
-              <a:rPr lang="en-US" dirty="0"/>
-              <a:t>What happens with an unacceptable input? </a:t>
+            <a:off x="208722" y="2015732"/>
+            <a:ext cx="11728173" cy="3450613"/>
+          </a:xfrm>
+        </p:spPr>
+        <p:txBody>
+          <a:bodyPr numCol="3">
+            <a:normAutofit fontScale="85000" lnSpcReduction="10000"/>
+          </a:bodyPr>
+          <a:lstStyle/>
+          <a:p>
+            <a:pPr algn="l">
+              <a:buFont typeface="+mj-lt"/>
+              <a:buAutoNum type="arabicPeriod"/>
+            </a:pPr>
+            <a:r>
+              <a:rPr lang="en-CA" b="0" i="0" dirty="0">
+                <a:solidFill>
+                  <a:srgbClr val="000000"/>
+                </a:solidFill>
+                <a:effectLst/>
+                <a:latin typeface="Lucida Grande" panose="020B0600040502020204" pitchFamily="34" charset="0"/>
+              </a:rPr>
+              <a:t>True and True</a:t>
+            </a:r>
+          </a:p>
+          <a:p>
+            <a:pPr algn="l">
+              <a:buFont typeface="+mj-lt"/>
+              <a:buAutoNum type="arabicPeriod"/>
+            </a:pPr>
+            <a:r>
+              <a:rPr lang="en-CA" b="0" i="0" dirty="0">
+                <a:solidFill>
+                  <a:srgbClr val="000000"/>
+                </a:solidFill>
+                <a:effectLst/>
+                <a:latin typeface="Lucida Grande" panose="020B0600040502020204" pitchFamily="34" charset="0"/>
+              </a:rPr>
+              <a:t>False and True</a:t>
+            </a:r>
+          </a:p>
+          <a:p>
+            <a:pPr algn="l">
+              <a:buFont typeface="+mj-lt"/>
+              <a:buAutoNum type="arabicPeriod"/>
+            </a:pPr>
+            <a:r>
+              <a:rPr lang="en-CA" b="0" i="0" dirty="0">
+                <a:solidFill>
+                  <a:srgbClr val="000000"/>
+                </a:solidFill>
+                <a:effectLst/>
+                <a:latin typeface="Lucida Grande" panose="020B0600040502020204" pitchFamily="34" charset="0"/>
+              </a:rPr>
+              <a:t>1 == 1 and 2 == 1</a:t>
+            </a:r>
+          </a:p>
+          <a:p>
+            <a:pPr algn="l">
+              <a:buFont typeface="+mj-lt"/>
+              <a:buAutoNum type="arabicPeriod"/>
+            </a:pPr>
+            <a:r>
+              <a:rPr lang="en-CA" b="0" i="0" dirty="0">
+                <a:solidFill>
+                  <a:srgbClr val="000000"/>
+                </a:solidFill>
+                <a:effectLst/>
+                <a:latin typeface="Lucida Grande" panose="020B0600040502020204" pitchFamily="34" charset="0"/>
+              </a:rPr>
+              <a:t>"test" == "test"</a:t>
+            </a:r>
+          </a:p>
+          <a:p>
+            <a:pPr algn="l">
+              <a:buFont typeface="+mj-lt"/>
+              <a:buAutoNum type="arabicPeriod"/>
+            </a:pPr>
+            <a:r>
+              <a:rPr lang="en-CA" b="0" i="0" dirty="0">
+                <a:solidFill>
+                  <a:srgbClr val="000000"/>
+                </a:solidFill>
+                <a:effectLst/>
+                <a:latin typeface="Lucida Grande" panose="020B0600040502020204" pitchFamily="34" charset="0"/>
+              </a:rPr>
+              <a:t>1 == 1 or 2 != 1</a:t>
+            </a:r>
+          </a:p>
+          <a:p>
+            <a:pPr algn="l">
+              <a:buFont typeface="+mj-lt"/>
+              <a:buAutoNum type="arabicPeriod"/>
+            </a:pPr>
+            <a:r>
+              <a:rPr lang="en-CA" b="0" i="0" dirty="0">
+                <a:solidFill>
+                  <a:srgbClr val="000000"/>
+                </a:solidFill>
+                <a:effectLst/>
+                <a:latin typeface="Lucida Grande" panose="020B0600040502020204" pitchFamily="34" charset="0"/>
+              </a:rPr>
+              <a:t>True and 1 == 1</a:t>
+            </a:r>
+          </a:p>
+          <a:p>
+            <a:pPr algn="l">
+              <a:buFont typeface="+mj-lt"/>
+              <a:buAutoNum type="arabicPeriod"/>
+            </a:pPr>
+            <a:r>
+              <a:rPr lang="en-CA" b="0" i="0" dirty="0">
+                <a:solidFill>
+                  <a:srgbClr val="000000"/>
+                </a:solidFill>
+                <a:effectLst/>
+                <a:latin typeface="Lucida Grande" panose="020B0600040502020204" pitchFamily="34" charset="0"/>
+              </a:rPr>
+              <a:t>False and 0 != 0</a:t>
+            </a:r>
+          </a:p>
+          <a:p>
+            <a:pPr algn="l">
+              <a:buFont typeface="+mj-lt"/>
+              <a:buAutoNum type="arabicPeriod"/>
+            </a:pPr>
+            <a:r>
+              <a:rPr lang="en-CA" b="0" i="0" dirty="0">
+                <a:solidFill>
+                  <a:srgbClr val="000000"/>
+                </a:solidFill>
+                <a:effectLst/>
+                <a:latin typeface="Lucida Grande" panose="020B0600040502020204" pitchFamily="34" charset="0"/>
+              </a:rPr>
+              <a:t>True or 1 == 1</a:t>
+            </a:r>
+          </a:p>
+          <a:p>
+            <a:pPr algn="l">
+              <a:buFont typeface="+mj-lt"/>
+              <a:buAutoNum type="arabicPeriod"/>
+            </a:pPr>
+            <a:r>
+              <a:rPr lang="en-CA" b="0" i="0" dirty="0">
+                <a:solidFill>
+                  <a:srgbClr val="000000"/>
+                </a:solidFill>
+                <a:effectLst/>
+                <a:latin typeface="Lucida Grande" panose="020B0600040502020204" pitchFamily="34" charset="0"/>
+              </a:rPr>
+              <a:t>"test" == "testing"</a:t>
+            </a:r>
+          </a:p>
+          <a:p>
+            <a:pPr algn="l">
+              <a:buFont typeface="+mj-lt"/>
+              <a:buAutoNum type="arabicPeriod"/>
+            </a:pPr>
+            <a:r>
+              <a:rPr lang="en-CA" b="0" i="0" dirty="0">
+                <a:solidFill>
+                  <a:srgbClr val="000000"/>
+                </a:solidFill>
+                <a:effectLst/>
+                <a:latin typeface="Lucida Grande" panose="020B0600040502020204" pitchFamily="34" charset="0"/>
+              </a:rPr>
+              <a:t>1 != 0 and 2 == 1</a:t>
+            </a:r>
+          </a:p>
+          <a:p>
+            <a:pPr algn="l">
+              <a:buFont typeface="+mj-lt"/>
+              <a:buAutoNum type="arabicPeriod"/>
+            </a:pPr>
+            <a:r>
+              <a:rPr lang="en-CA" b="0" i="0" dirty="0">
+                <a:solidFill>
+                  <a:srgbClr val="000000"/>
+                </a:solidFill>
+                <a:effectLst/>
+                <a:latin typeface="Lucida Grande" panose="020B0600040502020204" pitchFamily="34" charset="0"/>
+              </a:rPr>
+              <a:t>"test" != "testing"</a:t>
+            </a:r>
+          </a:p>
+          <a:p>
+            <a:pPr algn="l">
+              <a:buFont typeface="+mj-lt"/>
+              <a:buAutoNum type="arabicPeriod"/>
+            </a:pPr>
+            <a:r>
+              <a:rPr lang="en-CA" b="0" i="0" dirty="0">
+                <a:solidFill>
+                  <a:srgbClr val="000000"/>
+                </a:solidFill>
+                <a:effectLst/>
+                <a:latin typeface="Lucida Grande" panose="020B0600040502020204" pitchFamily="34" charset="0"/>
+              </a:rPr>
+              <a:t>"test" == 1</a:t>
+            </a:r>
+          </a:p>
+          <a:p>
+            <a:pPr algn="l">
+              <a:buFont typeface="+mj-lt"/>
+              <a:buAutoNum type="arabicPeriod"/>
+            </a:pPr>
+            <a:r>
+              <a:rPr lang="en-CA" b="0" i="0" dirty="0">
+                <a:solidFill>
+                  <a:srgbClr val="000000"/>
+                </a:solidFill>
+                <a:effectLst/>
+                <a:latin typeface="Lucida Grande" panose="020B0600040502020204" pitchFamily="34" charset="0"/>
+              </a:rPr>
+              <a:t>not (True and False)</a:t>
+            </a:r>
+          </a:p>
+          <a:p>
+            <a:pPr algn="l">
+              <a:buFont typeface="+mj-lt"/>
+              <a:buAutoNum type="arabicPeriod"/>
+            </a:pPr>
+            <a:r>
+              <a:rPr lang="en-CA" b="0" i="0" dirty="0">
+                <a:solidFill>
+                  <a:srgbClr val="000000"/>
+                </a:solidFill>
+                <a:effectLst/>
+                <a:latin typeface="Lucida Grande" panose="020B0600040502020204" pitchFamily="34" charset="0"/>
+              </a:rPr>
+              <a:t>not (1 == 1 and 0 != 1)</a:t>
+            </a:r>
+          </a:p>
+          <a:p>
+            <a:pPr algn="l">
+              <a:buFont typeface="+mj-lt"/>
+              <a:buAutoNum type="arabicPeriod"/>
+            </a:pPr>
+            <a:r>
+              <a:rPr lang="en-CA" b="0" i="0" dirty="0">
+                <a:solidFill>
+                  <a:srgbClr val="000000"/>
+                </a:solidFill>
+                <a:effectLst/>
+                <a:latin typeface="Lucida Grande" panose="020B0600040502020204" pitchFamily="34" charset="0"/>
+              </a:rPr>
+              <a:t>not (10 == 1 or 1000 == 1000)</a:t>
+            </a:r>
+          </a:p>
+          <a:p>
+            <a:pPr algn="l">
+              <a:buFont typeface="+mj-lt"/>
+              <a:buAutoNum type="arabicPeriod"/>
+            </a:pPr>
+            <a:r>
+              <a:rPr lang="en-CA" b="0" i="0" dirty="0">
+                <a:solidFill>
+                  <a:srgbClr val="000000"/>
+                </a:solidFill>
+                <a:effectLst/>
+                <a:latin typeface="Lucida Grande" panose="020B0600040502020204" pitchFamily="34" charset="0"/>
+              </a:rPr>
+              <a:t>not (1 != 10 or 3 == 4)</a:t>
+            </a:r>
+          </a:p>
+          <a:p>
+            <a:pPr algn="l">
+              <a:buFont typeface="+mj-lt"/>
+              <a:buAutoNum type="arabicPeriod"/>
+            </a:pPr>
+            <a:r>
+              <a:rPr lang="en-CA" b="0" i="0" dirty="0">
+                <a:solidFill>
+                  <a:srgbClr val="000000"/>
+                </a:solidFill>
+                <a:effectLst/>
+                <a:latin typeface="Lucida Grande" panose="020B0600040502020204" pitchFamily="34" charset="0"/>
+              </a:rPr>
+              <a:t>not ("testing" == "testing" and "Zed" == "Cool Guy")</a:t>
+            </a:r>
+          </a:p>
+          <a:p>
+            <a:pPr algn="l">
+              <a:buFont typeface="+mj-lt"/>
+              <a:buAutoNum type="arabicPeriod"/>
+            </a:pPr>
+            <a:r>
+              <a:rPr lang="en-CA" b="0" i="0" dirty="0">
+                <a:solidFill>
+                  <a:srgbClr val="000000"/>
+                </a:solidFill>
+                <a:effectLst/>
+                <a:latin typeface="Lucida Grande" panose="020B0600040502020204" pitchFamily="34" charset="0"/>
+              </a:rPr>
+              <a:t>1 == 1 and not ("testing" == 1 or 1 == 0)</a:t>
+            </a:r>
+          </a:p>
+          <a:p>
+            <a:pPr algn="l">
+              <a:buFont typeface="+mj-lt"/>
+              <a:buAutoNum type="arabicPeriod"/>
+            </a:pPr>
+            <a:r>
+              <a:rPr lang="en-CA" b="0" i="0" dirty="0">
+                <a:solidFill>
+                  <a:srgbClr val="000000"/>
+                </a:solidFill>
+                <a:effectLst/>
+                <a:latin typeface="Lucida Grande" panose="020B0600040502020204" pitchFamily="34" charset="0"/>
+              </a:rPr>
+              <a:t>"chunky" == "bacon" and not (3 == 4 or 3 == 3)</a:t>
+            </a:r>
+          </a:p>
+          <a:p>
+            <a:pPr algn="l">
+              <a:buFont typeface="+mj-lt"/>
+              <a:buAutoNum type="arabicPeriod"/>
+            </a:pPr>
+            <a:r>
+              <a:rPr lang="en-CA" b="0" i="0" dirty="0">
+                <a:solidFill>
+                  <a:srgbClr val="000000"/>
+                </a:solidFill>
+                <a:effectLst/>
+                <a:latin typeface="Lucida Grande" panose="020B0600040502020204" pitchFamily="34" charset="0"/>
+              </a:rPr>
+              <a:t>3 == 3 and not ("testing" == "testing" or "Python" == "Fun")</a:t>
             </a:r>
           </a:p>
         </p:txBody>
@@ -6594,7 +6809,7 @@
     </p:spTree>
     <p:extLst>
       <p:ext uri="{BB962C8B-B14F-4D97-AF65-F5344CB8AC3E}">
-        <p14:creationId xmlns:p14="http://schemas.microsoft.com/office/powerpoint/2010/main" val="1016699919"/>
+        <p14:creationId xmlns:p14="http://schemas.microsoft.com/office/powerpoint/2010/main" val="3191356816"/>
       </p:ext>
     </p:extLst>
   </p:cSld>
@@ -6626,7 +6841,7 @@
           <p:cNvPr id="2" name="Title 1">
             <a:extLst>
               <a:ext uri="{FF2B5EF4-FFF2-40B4-BE49-F238E27FC236}">
-                <a16:creationId xmlns:a16="http://schemas.microsoft.com/office/drawing/2014/main" id="{B7A5824E-FDED-1737-146A-E9C47D2A4188}"/>
+                <a16:creationId xmlns:a16="http://schemas.microsoft.com/office/drawing/2014/main" id="{E2773E3A-A9F8-FF38-EF1E-6FA5A110D38F}"/>
               </a:ext>
             </a:extLst>
           </p:cNvPr>
@@ -6644,7 +6859,7 @@
           <a:p>
             <a:r>
               <a:rPr lang="en-US" dirty="0"/>
-              <a:t>Testing and Debugging</a:t>
+              <a:t>Testing</a:t>
             </a:r>
           </a:p>
         </p:txBody>
@@ -6654,7 +6869,7 @@
           <p:cNvPr id="3" name="Content Placeholder 2">
             <a:extLst>
               <a:ext uri="{FF2B5EF4-FFF2-40B4-BE49-F238E27FC236}">
-                <a16:creationId xmlns:a16="http://schemas.microsoft.com/office/drawing/2014/main" id="{6CA9E24E-EBCB-4698-F36C-724004F30466}"/>
+                <a16:creationId xmlns:a16="http://schemas.microsoft.com/office/drawing/2014/main" id="{53B7EEA3-CD58-68F8-506E-A8D0E438B862}"/>
               </a:ext>
             </a:extLst>
           </p:cNvPr>
@@ -6668,7 +6883,7 @@
         <p:spPr>
           <a:xfrm>
             <a:off x="1451579" y="1853754"/>
-            <a:ext cx="9603275" cy="4278689"/>
+            <a:ext cx="9603275" cy="4199727"/>
           </a:xfrm>
         </p:spPr>
         <p:txBody>
@@ -6677,48 +6892,61 @@
           <a:p>
             <a:r>
               <a:rPr lang="en-US" dirty="0"/>
-              <a:t>Testing code is a very large and complex topic, but it doesn’t need to be. </a:t>
-            </a:r>
-          </a:p>
-          <a:p>
-            <a:r>
-              <a:rPr lang="en-US" dirty="0"/>
-              <a:t>We can start with some simple tools now:</a:t>
+              <a:t>Conditionals are one of the first things that are likely to need substantial testing. </a:t>
+            </a:r>
+          </a:p>
+          <a:p>
+            <a:r>
+              <a:rPr lang="en-US" dirty="0"/>
+              <a:t>We want to think about how we’d test as we create more complex things. </a:t>
             </a:r>
           </a:p>
           <a:p>
             <a:pPr lvl="1"/>
             <a:r>
               <a:rPr lang="en-US" dirty="0"/>
-              <a:t>Construct test data – e.g. for a conditional, try one of each outcome, things along the edges of the decisions, and limits/odd values. We can then run these and see if it is correct. </a:t>
+              <a:t>Consider how we verify if it works or not as we think about how to do it. </a:t>
             </a:r>
           </a:p>
           <a:p>
             <a:pPr lvl="1"/>
             <a:r>
               <a:rPr lang="en-US" dirty="0"/>
-              <a:t>Print statements – we can weave in print statements to tell us useful things, then comment them out when it works. E.g. print which “if/</a:t>
-            </a:r>
-            <a:r>
-              <a:rPr lang="en-US" dirty="0" err="1"/>
-              <a:t>elif</a:t>
-            </a:r>
-            <a:r>
-              <a:rPr lang="en-US" dirty="0"/>
-              <a:t>” clause we are in, along with the values. </a:t>
+              <a:t>Likely along the decision boundaries or edge cases, especially for complex logic. </a:t>
+            </a:r>
+          </a:p>
+          <a:p>
+            <a:r>
+              <a:rPr lang="en-US" dirty="0"/>
+              <a:t>For conditionals, we can consider:</a:t>
             </a:r>
           </a:p>
           <a:p>
             <a:pPr lvl="1"/>
             <a:r>
               <a:rPr lang="en-US" dirty="0"/>
-              <a:t>Break apart code into blocks – we can break lines of code into individual blocks and execute them one at at time. Isolate things line by line. Combines well with the variable viewer. </a:t>
-            </a:r>
-          </a:p>
-          <a:p>
-            <a:r>
-              <a:rPr lang="en-US" dirty="0"/>
-              <a:t>Debugging pairs with reading documentation to allow you to do anything you heart desires!!!</a:t>
+              <a:t>What is each ”normal” outcome?</a:t>
+            </a:r>
+          </a:p>
+          <a:p>
+            <a:pPr lvl="1"/>
+            <a:r>
+              <a:rPr lang="en-US" dirty="0"/>
+              <a:t>What is on the “edges” of each condition? Are there “holes”, especially with complex logic? </a:t>
+            </a:r>
+          </a:p>
+          <a:p>
+            <a:pPr lvl="1"/>
+            <a:r>
+              <a:rPr lang="en-US" dirty="0"/>
+              <a:t>What are values at the limits in any direction?</a:t>
+            </a:r>
+          </a:p>
+          <a:p>
+            <a:pPr lvl="1"/>
+            <a:r>
+              <a:rPr lang="en-US" dirty="0"/>
+              <a:t>What happens with an unacceptable input? </a:t>
             </a:r>
           </a:p>
         </p:txBody>
@@ -6726,7 +6954,7 @@
     </p:spTree>
     <p:extLst>
       <p:ext uri="{BB962C8B-B14F-4D97-AF65-F5344CB8AC3E}">
-        <p14:creationId xmlns:p14="http://schemas.microsoft.com/office/powerpoint/2010/main" val="1967459750"/>
+        <p14:creationId xmlns:p14="http://schemas.microsoft.com/office/powerpoint/2010/main" val="1016699919"/>
       </p:ext>
     </p:extLst>
   </p:cSld>
@@ -6758,6 +6986,138 @@
           <p:cNvPr id="2" name="Title 1">
             <a:extLst>
               <a:ext uri="{FF2B5EF4-FFF2-40B4-BE49-F238E27FC236}">
+                <a16:creationId xmlns:a16="http://schemas.microsoft.com/office/drawing/2014/main" id="{B7A5824E-FDED-1737-146A-E9C47D2A4188}"/>
+              </a:ext>
+            </a:extLst>
+          </p:cNvPr>
+          <p:cNvSpPr>
+            <a:spLocks noGrp="1"/>
+          </p:cNvSpPr>
+          <p:nvPr>
+            <p:ph type="title"/>
+          </p:nvPr>
+        </p:nvSpPr>
+        <p:spPr/>
+        <p:txBody>
+          <a:bodyPr/>
+          <a:lstStyle/>
+          <a:p>
+            <a:r>
+              <a:rPr lang="en-US" dirty="0"/>
+              <a:t>Testing and Debugging</a:t>
+            </a:r>
+          </a:p>
+        </p:txBody>
+      </p:sp>
+      <p:sp>
+        <p:nvSpPr>
+          <p:cNvPr id="3" name="Content Placeholder 2">
+            <a:extLst>
+              <a:ext uri="{FF2B5EF4-FFF2-40B4-BE49-F238E27FC236}">
+                <a16:creationId xmlns:a16="http://schemas.microsoft.com/office/drawing/2014/main" id="{6CA9E24E-EBCB-4698-F36C-724004F30466}"/>
+              </a:ext>
+            </a:extLst>
+          </p:cNvPr>
+          <p:cNvSpPr>
+            <a:spLocks noGrp="1"/>
+          </p:cNvSpPr>
+          <p:nvPr>
+            <p:ph idx="1"/>
+          </p:nvPr>
+        </p:nvSpPr>
+        <p:spPr>
+          <a:xfrm>
+            <a:off x="1451579" y="1853754"/>
+            <a:ext cx="9603275" cy="4278689"/>
+          </a:xfrm>
+        </p:spPr>
+        <p:txBody>
+          <a:bodyPr/>
+          <a:lstStyle/>
+          <a:p>
+            <a:r>
+              <a:rPr lang="en-US" dirty="0"/>
+              <a:t>Testing code is a very large and complex topic, but it doesn’t need to be. </a:t>
+            </a:r>
+          </a:p>
+          <a:p>
+            <a:r>
+              <a:rPr lang="en-US" dirty="0"/>
+              <a:t>We can start with some simple tools now:</a:t>
+            </a:r>
+          </a:p>
+          <a:p>
+            <a:pPr lvl="1"/>
+            <a:r>
+              <a:rPr lang="en-US" dirty="0"/>
+              <a:t>Construct test data – e.g. for a conditional, try one of each outcome, things along the edges of the decisions, and limits/odd values. We can then run these and see if it is correct. </a:t>
+            </a:r>
+          </a:p>
+          <a:p>
+            <a:pPr lvl="1"/>
+            <a:r>
+              <a:rPr lang="en-US" dirty="0"/>
+              <a:t>Print statements – we can weave in print statements to tell us useful things, then comment them out when it works. E.g. print which “if/</a:t>
+            </a:r>
+            <a:r>
+              <a:rPr lang="en-US" dirty="0" err="1"/>
+              <a:t>elif</a:t>
+            </a:r>
+            <a:r>
+              <a:rPr lang="en-US" dirty="0"/>
+              <a:t>” clause we are in, along with the values. </a:t>
+            </a:r>
+          </a:p>
+          <a:p>
+            <a:pPr lvl="1"/>
+            <a:r>
+              <a:rPr lang="en-US" dirty="0"/>
+              <a:t>Break apart code into blocks – we can break lines of code into individual blocks and execute them one at at time. Isolate things line by line. Combines well with the variable viewer. </a:t>
+            </a:r>
+          </a:p>
+          <a:p>
+            <a:r>
+              <a:rPr lang="en-US" dirty="0"/>
+              <a:t>Debugging pairs with reading documentation to allow you to do anything you heart desires!!!</a:t>
+            </a:r>
+          </a:p>
+        </p:txBody>
+      </p:sp>
+    </p:spTree>
+    <p:extLst>
+      <p:ext uri="{BB962C8B-B14F-4D97-AF65-F5344CB8AC3E}">
+        <p14:creationId xmlns:p14="http://schemas.microsoft.com/office/powerpoint/2010/main" val="1967459750"/>
+      </p:ext>
+    </p:extLst>
+  </p:cSld>
+  <p:clrMapOvr>
+    <a:masterClrMapping/>
+  </p:clrMapOvr>
+</p:sld>
+</file>
+
+<file path=ppt/slides/slide25.xml><?xml version="1.0" encoding="utf-8"?>
+<p:sld xmlns:a="http://schemas.openxmlformats.org/drawingml/2006/main" xmlns:r="http://schemas.openxmlformats.org/officeDocument/2006/relationships" xmlns:p="http://schemas.openxmlformats.org/presentationml/2006/main">
+  <p:cSld>
+    <p:spTree>
+      <p:nvGrpSpPr>
+        <p:cNvPr id="1" name=""/>
+        <p:cNvGrpSpPr/>
+        <p:nvPr/>
+      </p:nvGrpSpPr>
+      <p:grpSpPr>
+        <a:xfrm>
+          <a:off x="0" y="0"/>
+          <a:ext cx="0" cy="0"/>
+          <a:chOff x="0" y="0"/>
+          <a:chExt cx="0" cy="0"/>
+        </a:xfrm>
+      </p:grpSpPr>
+      <p:sp>
+        <p:nvSpPr>
+          <p:cNvPr id="2" name="Title 1">
+            <a:extLst>
+              <a:ext uri="{FF2B5EF4-FFF2-40B4-BE49-F238E27FC236}">
                 <a16:creationId xmlns:a16="http://schemas.microsoft.com/office/drawing/2014/main" id="{277D7148-B192-A985-7DDB-774B2ED9506D}"/>
               </a:ext>
             </a:extLst>
@@ -6875,7 +7235,7 @@
 </p:sld>
 </file>
 
-<file path=ppt/slides/slide25.xml><?xml version="1.0" encoding="utf-8"?>
+<file path=ppt/slides/slide26.xml><?xml version="1.0" encoding="utf-8"?>
 <p:sld xmlns:a="http://schemas.openxmlformats.org/drawingml/2006/main" xmlns:r="http://schemas.openxmlformats.org/officeDocument/2006/relationships" xmlns:p="http://schemas.openxmlformats.org/presentationml/2006/main">
   <p:cSld>
     <p:spTree>
